--- a/project/shin_movie.pptx
+++ b/project/shin_movie.pptx
@@ -253,7 +253,7 @@
           <a:p>
             <a:fld id="{684ABEAC-FD1E-446D-854E-09142DFB339C}" type="datetimeFigureOut">
               <a:rPr lang="ko-KR" altLang="en-US" smtClean="0"/>
-              <a:t>2023-03-17</a:t>
+              <a:t>2023-03-19</a:t>
             </a:fld>
             <a:endParaRPr lang="ko-KR" altLang="en-US"/>
           </a:p>
@@ -418,7 +418,7 @@
           <a:p>
             <a:fld id="{E299D967-67B2-4132-B52D-A253871A1F24}" type="datetimeFigureOut">
               <a:rPr lang="ko-KR" altLang="en-US" smtClean="0"/>
-              <a:t>2023-03-17</a:t>
+              <a:t>2023-03-19</a:t>
             </a:fld>
             <a:endParaRPr lang="ko-KR" altLang="en-US"/>
           </a:p>
@@ -1128,7 +1128,7 @@
           <a:p>
             <a:fld id="{20303F18-CB98-4E85-A37B-EF5A4E6C8DE7}" type="datetime1">
               <a:rPr lang="ko-KR" altLang="en-US" smtClean="0"/>
-              <a:t>2023-03-17</a:t>
+              <a:t>2023-03-19</a:t>
             </a:fld>
             <a:endParaRPr lang="ko-KR" altLang="en-US"/>
           </a:p>
@@ -1301,7 +1301,7 @@
           <a:p>
             <a:fld id="{CCA16C65-58A5-46D5-A762-12670B92641B}" type="datetime1">
               <a:rPr lang="ko-KR" altLang="en-US" smtClean="0"/>
-              <a:t>2023-03-17</a:t>
+              <a:t>2023-03-19</a:t>
             </a:fld>
             <a:endParaRPr lang="ko-KR" altLang="en-US"/>
           </a:p>
@@ -1479,7 +1479,7 @@
           <a:p>
             <a:fld id="{2D09A68A-AC6E-41FE-B28C-2BB812CC2E01}" type="datetime1">
               <a:rPr lang="ko-KR" altLang="en-US" smtClean="0"/>
-              <a:t>2023-03-17</a:t>
+              <a:t>2023-03-19</a:t>
             </a:fld>
             <a:endParaRPr lang="ko-KR" altLang="en-US"/>
           </a:p>
@@ -1647,7 +1647,7 @@
           <a:p>
             <a:fld id="{690B8B09-A0F3-4880-B090-7FDDEE5B5065}" type="datetime1">
               <a:rPr lang="ko-KR" altLang="en-US" smtClean="0"/>
-              <a:t>2023-03-17</a:t>
+              <a:t>2023-03-19</a:t>
             </a:fld>
             <a:endParaRPr lang="ko-KR" altLang="en-US"/>
           </a:p>
@@ -1892,7 +1892,7 @@
           <a:p>
             <a:fld id="{82F7D3F4-816B-4FA6-91FC-91836ECD0E53}" type="datetime1">
               <a:rPr lang="ko-KR" altLang="en-US" smtClean="0"/>
-              <a:t>2023-03-17</a:t>
+              <a:t>2023-03-19</a:t>
             </a:fld>
             <a:endParaRPr lang="ko-KR" altLang="en-US"/>
           </a:p>
@@ -2177,7 +2177,7 @@
           <a:p>
             <a:fld id="{2FB9FCFF-984A-4549-AB53-391F9EC1244A}" type="datetime1">
               <a:rPr lang="ko-KR" altLang="en-US" smtClean="0"/>
-              <a:t>2023-03-17</a:t>
+              <a:t>2023-03-19</a:t>
             </a:fld>
             <a:endParaRPr lang="ko-KR" altLang="en-US"/>
           </a:p>
@@ -2596,7 +2596,7 @@
           <a:p>
             <a:fld id="{94618DE4-C4FE-4171-90C7-38CF01638033}" type="datetime1">
               <a:rPr lang="ko-KR" altLang="en-US" smtClean="0"/>
-              <a:t>2023-03-17</a:t>
+              <a:t>2023-03-19</a:t>
             </a:fld>
             <a:endParaRPr lang="ko-KR" altLang="en-US"/>
           </a:p>
@@ -2713,7 +2713,7 @@
           <a:p>
             <a:fld id="{33587621-9D18-4C20-9B84-3E938621A025}" type="datetime1">
               <a:rPr lang="ko-KR" altLang="en-US" smtClean="0"/>
-              <a:t>2023-03-17</a:t>
+              <a:t>2023-03-19</a:t>
             </a:fld>
             <a:endParaRPr lang="ko-KR" altLang="en-US"/>
           </a:p>
@@ -3397,7 +3397,7 @@
           <a:p>
             <a:fld id="{B517649B-2577-404C-858E-51E9DEBB2548}" type="datetime1">
               <a:rPr lang="ko-KR" altLang="en-US" smtClean="0"/>
-              <a:t>2023-03-17</a:t>
+              <a:t>2023-03-19</a:t>
             </a:fld>
             <a:endParaRPr lang="ko-KR" altLang="en-US"/>
           </a:p>
@@ -3649,7 +3649,7 @@
           <a:p>
             <a:fld id="{8D84C674-EF46-4F27-9E3E-4F6A170B0DC6}" type="datetime1">
               <a:rPr lang="ko-KR" altLang="en-US" smtClean="0"/>
-              <a:t>2023-03-17</a:t>
+              <a:t>2023-03-19</a:t>
             </a:fld>
             <a:endParaRPr lang="ko-KR" altLang="en-US"/>
           </a:p>
@@ -3860,7 +3860,7 @@
           <a:p>
             <a:fld id="{B40F11ED-9D7B-4CCE-A57D-CC1D7760FB25}" type="datetime1">
               <a:rPr lang="ko-KR" altLang="en-US" smtClean="0"/>
-              <a:t>2023-03-17</a:t>
+              <a:t>2023-03-19</a:t>
             </a:fld>
             <a:endParaRPr lang="ko-KR" altLang="en-US"/>
           </a:p>
@@ -4713,7 +4713,7 @@
               <a:buChar char="-"/>
             </a:pPr>
             <a:r>
-              <a:rPr lang="ko-KR" altLang="en-US" sz="1600" smtClean="0">
+              <a:rPr lang="ko-KR" altLang="en-US" sz="1600" dirty="0" smtClean="0">
                 <a:solidFill>
                   <a:srgbClr val="464646"/>
                 </a:solidFill>
@@ -4723,7 +4723,7 @@
               <a:t>로그인 후 내 서재 메뉴를 통해</a:t>
             </a:r>
             <a:r>
-              <a:rPr lang="en-US" altLang="ko-KR" sz="1600" smtClean="0">
+              <a:rPr lang="en-US" altLang="ko-KR" sz="1600" dirty="0" smtClean="0">
                 <a:solidFill>
                   <a:srgbClr val="464646"/>
                 </a:solidFill>
@@ -4733,7 +4733,7 @@
               <a:t>, </a:t>
             </a:r>
             <a:r>
-              <a:rPr lang="ko-KR" altLang="en-US" sz="1600" smtClean="0">
+              <a:rPr lang="ko-KR" altLang="en-US" sz="1600" dirty="0" smtClean="0">
                 <a:solidFill>
                   <a:srgbClr val="464646"/>
                 </a:solidFill>
@@ -4743,7 +4743,7 @@
               <a:t>회원정보 수정</a:t>
             </a:r>
             <a:r>
-              <a:rPr lang="en-US" altLang="ko-KR" sz="1600" smtClean="0">
+              <a:rPr lang="en-US" altLang="ko-KR" sz="1600" dirty="0" smtClean="0">
                 <a:solidFill>
                   <a:srgbClr val="464646"/>
                 </a:solidFill>
@@ -4753,7 +4753,7 @@
               <a:t>, </a:t>
             </a:r>
             <a:r>
-              <a:rPr lang="ko-KR" altLang="en-US" sz="1600" smtClean="0">
+              <a:rPr lang="ko-KR" altLang="en-US" sz="1600" dirty="0" smtClean="0">
                 <a:solidFill>
                   <a:srgbClr val="464646"/>
                 </a:solidFill>
@@ -4803,27 +4803,37 @@
               <a:t>, </a:t>
             </a:r>
             <a:r>
-              <a:rPr lang="ko-KR" altLang="en-US" sz="1600">
+              <a:rPr lang="ko-KR" altLang="en-US" sz="1600" dirty="0" err="1">
                 <a:solidFill>
                   <a:srgbClr val="464646"/>
                 </a:solidFill>
                 <a:latin typeface="한컴 윤고딕 230" panose="02020603020101020101" pitchFamily="18" charset="-127"/>
                 <a:ea typeface="한컴 윤고딕 230" panose="02020603020101020101" pitchFamily="18" charset="-127"/>
               </a:rPr>
-              <a:t>자리예약 </a:t>
-            </a:r>
-            <a:r>
-              <a:rPr lang="ko-KR" altLang="en-US" sz="1600" smtClean="0">
+              <a:t>자리예약</a:t>
+            </a:r>
+            <a:r>
+              <a:rPr lang="ko-KR" altLang="en-US" sz="1600" dirty="0">
                 <a:solidFill>
                   <a:srgbClr val="464646"/>
                 </a:solidFill>
                 <a:latin typeface="한컴 윤고딕 230" panose="02020603020101020101" pitchFamily="18" charset="-127"/>
                 <a:ea typeface="한컴 윤고딕 230" panose="02020603020101020101" pitchFamily="18" charset="-127"/>
               </a:rPr>
+              <a:t> </a:t>
+            </a:r>
+            <a:r>
+              <a:rPr lang="ko-KR" altLang="en-US" sz="1600" dirty="0" smtClean="0">
+                <a:solidFill>
+                  <a:srgbClr val="464646"/>
+                </a:solidFill>
+                <a:latin typeface="한컴 윤고딕 230" panose="02020603020101020101" pitchFamily="18" charset="-127"/>
+                <a:ea typeface="한컴 윤고딕 230" panose="02020603020101020101" pitchFamily="18" charset="-127"/>
+              </a:rPr>
               <a:t>확인할 수 있다</a:t>
             </a:r>
             <a:r>
-              <a:rPr lang="en-US" altLang="ko-KR" sz="1600" smtClean="0">
+              <a:rPr lang="en-US" altLang="ko-KR" sz="1600" dirty="0" smtClean="0">
                 <a:solidFill>
                   <a:srgbClr val="464646"/>
                 </a:solidFill>
@@ -5343,7 +5353,7 @@
         </p:blipFill>
         <p:spPr>
           <a:xfrm>
-            <a:off x="3923928" y="4299942"/>
+            <a:off x="4492275" y="4227934"/>
             <a:ext cx="323850" cy="121444"/>
           </a:xfrm>
           <a:prstGeom prst="rect">
@@ -8857,7 +8867,7 @@
           <a:p>
             <a:pPr algn="ctr"/>
             <a:r>
-              <a:rPr lang="ko-KR" altLang="en-US" sz="1000" b="1"/>
+              <a:rPr lang="ko-KR" altLang="en-US" sz="1000" b="1" dirty="0" err="1"/>
               <a:t>관리자등록</a:t>
             </a:r>
             <a:endParaRPr lang="ko-KR" altLang="en-US" sz="1000" b="1" dirty="0"/>
@@ -9593,11 +9603,7 @@
             <a:pPr algn="ctr"/>
             <a:r>
               <a:rPr lang="ko-KR" altLang="en-US" sz="1000" b="1" dirty="0" err="1" smtClean="0"/>
-              <a:t>리뷰</a:t>
-            </a:r>
-            <a:r>
-              <a:rPr lang="ko-KR" altLang="en-US" sz="1000" b="1" dirty="0" err="1" smtClean="0"/>
-              <a:t>게시판</a:t>
+              <a:t>리뷰게시판</a:t>
             </a:r>
             <a:endParaRPr lang="ko-KR" altLang="en-US" sz="1000" b="1" dirty="0"/>
           </a:p>
@@ -10594,11 +10600,7 @@
             <a:pPr algn="ctr"/>
             <a:r>
               <a:rPr lang="ko-KR" altLang="en-US" sz="1000" b="1" dirty="0" err="1" smtClean="0"/>
-              <a:t>영화</a:t>
-            </a:r>
-            <a:r>
-              <a:rPr lang="ko-KR" altLang="en-US" sz="1000" b="1" dirty="0" err="1" smtClean="0"/>
-              <a:t>추천</a:t>
+              <a:t>영화추천</a:t>
             </a:r>
             <a:endParaRPr lang="ko-KR" altLang="en-US" sz="1000" b="1" dirty="0"/>
           </a:p>
@@ -12605,7 +12607,7 @@
         </p:nvCxnSpPr>
         <p:spPr>
           <a:xfrm>
-            <a:off x="899872" y="2225607"/>
+            <a:off x="971880" y="2225607"/>
             <a:ext cx="2520000" cy="0"/>
           </a:xfrm>
           <a:prstGeom prst="straightConnector1">
@@ -12694,7 +12696,7 @@
         </p:nvCxnSpPr>
         <p:spPr>
           <a:xfrm flipH="1">
-            <a:off x="880448" y="2301720"/>
+            <a:off x="952456" y="2301720"/>
             <a:ext cx="2520000" cy="0"/>
           </a:xfrm>
           <a:prstGeom prst="straightConnector1">
@@ -12784,7 +12786,7 @@
         </p:nvSpPr>
         <p:spPr>
           <a:xfrm>
-            <a:off x="1835699" y="2037497"/>
+            <a:off x="1907707" y="2037497"/>
             <a:ext cx="841897" cy="246221"/>
           </a:xfrm>
           <a:prstGeom prst="rect">
@@ -12818,7 +12820,7 @@
         </p:nvSpPr>
         <p:spPr>
           <a:xfrm>
-            <a:off x="1673422" y="2279074"/>
+            <a:off x="1745430" y="2279074"/>
             <a:ext cx="1098378" cy="246221"/>
           </a:xfrm>
           <a:prstGeom prst="rect">
